--- a/team 25.pptx
+++ b/team 25.pptx
@@ -5,7 +5,7 @@
     <p:sldMasterId id="2147483703" r:id="rId1"/>
   </p:sldMasterIdLst>
   <p:notesMasterIdLst>
-    <p:notesMasterId r:id="rId36"/>
+    <p:notesMasterId r:id="rId37"/>
   </p:notesMasterIdLst>
   <p:sldIdLst>
     <p:sldId id="256" r:id="rId2"/>
@@ -30,56 +30,57 @@
     <p:sldId id="356" r:id="rId21"/>
     <p:sldId id="357" r:id="rId22"/>
     <p:sldId id="358" r:id="rId23"/>
-    <p:sldId id="361" r:id="rId24"/>
-    <p:sldId id="362" r:id="rId25"/>
-    <p:sldId id="363" r:id="rId26"/>
+    <p:sldId id="362" r:id="rId24"/>
+    <p:sldId id="361" r:id="rId25"/>
+    <p:sldId id="374" r:id="rId26"/>
     <p:sldId id="364" r:id="rId27"/>
     <p:sldId id="365" r:id="rId28"/>
     <p:sldId id="370" r:id="rId29"/>
-    <p:sldId id="366" r:id="rId30"/>
-    <p:sldId id="367" r:id="rId31"/>
-    <p:sldId id="368" r:id="rId32"/>
-    <p:sldId id="369" r:id="rId33"/>
-    <p:sldId id="371" r:id="rId34"/>
-    <p:sldId id="372" r:id="rId35"/>
+    <p:sldId id="363" r:id="rId30"/>
+    <p:sldId id="366" r:id="rId31"/>
+    <p:sldId id="367" r:id="rId32"/>
+    <p:sldId id="368" r:id="rId33"/>
+    <p:sldId id="369" r:id="rId34"/>
+    <p:sldId id="371" r:id="rId35"/>
+    <p:sldId id="372" r:id="rId36"/>
   </p:sldIdLst>
   <p:sldSz cx="9144000" cy="5143500" type="screen16x9"/>
   <p:notesSz cx="6858000" cy="9144000"/>
   <p:embeddedFontLst>
     <p:embeddedFont>
       <p:font typeface="Fira Sans Extra Condensed Medium" panose="020B0604020202020204" charset="0"/>
-      <p:regular r:id="rId37"/>
-      <p:bold r:id="rId38"/>
-      <p:italic r:id="rId39"/>
-      <p:boldItalic r:id="rId40"/>
+      <p:regular r:id="rId38"/>
+      <p:bold r:id="rId39"/>
+      <p:italic r:id="rId40"/>
+      <p:boldItalic r:id="rId41"/>
     </p:embeddedFont>
     <p:embeddedFont>
       <p:font typeface="Livvic" pitchFamily="2" charset="0"/>
-      <p:regular r:id="rId41"/>
-      <p:bold r:id="rId42"/>
-      <p:italic r:id="rId43"/>
-      <p:boldItalic r:id="rId44"/>
+      <p:regular r:id="rId42"/>
+      <p:bold r:id="rId43"/>
+      <p:italic r:id="rId44"/>
+      <p:boldItalic r:id="rId45"/>
     </p:embeddedFont>
     <p:embeddedFont>
       <p:font typeface="Myanmar Text" panose="020B0502040204020203" pitchFamily="34" charset="0"/>
-      <p:regular r:id="rId45"/>
-      <p:bold r:id="rId46"/>
+      <p:regular r:id="rId46"/>
+      <p:bold r:id="rId47"/>
     </p:embeddedFont>
     <p:embeddedFont>
       <p:font typeface="Roboto Condensed Light" panose="02000000000000000000" pitchFamily="2" charset="0"/>
-      <p:regular r:id="rId47"/>
-      <p:bold r:id="rId48"/>
-      <p:italic r:id="rId49"/>
-      <p:boldItalic r:id="rId50"/>
+      <p:regular r:id="rId48"/>
+      <p:bold r:id="rId49"/>
+      <p:italic r:id="rId50"/>
+      <p:boldItalic r:id="rId51"/>
     </p:embeddedFont>
     <p:embeddedFont>
       <p:font typeface="Segoe UI Semibold" panose="020B0702040204020203" pitchFamily="34" charset="0"/>
-      <p:bold r:id="rId51"/>
-      <p:boldItalic r:id="rId52"/>
+      <p:bold r:id="rId52"/>
+      <p:boldItalic r:id="rId53"/>
     </p:embeddedFont>
     <p:embeddedFont>
       <p:font typeface="Squada One" panose="020B0604020202020204" charset="0"/>
-      <p:regular r:id="rId53"/>
+      <p:regular r:id="rId54"/>
     </p:embeddedFont>
   </p:embeddedFontLst>
   <p:defaultTextStyle>
@@ -2479,7 +2480,7 @@
     </p:spTree>
     <p:extLst>
       <p:ext uri="{BB962C8B-B14F-4D97-AF65-F5344CB8AC3E}">
-        <p14:creationId xmlns:p14="http://schemas.microsoft.com/office/powerpoint/2010/main" val="1381897126"/>
+        <p14:creationId xmlns:p14="http://schemas.microsoft.com/office/powerpoint/2010/main" val="27865860"/>
       </p:ext>
     </p:extLst>
   </p:cSld>
@@ -2588,7 +2589,7 @@
     </p:spTree>
     <p:extLst>
       <p:ext uri="{BB962C8B-B14F-4D97-AF65-F5344CB8AC3E}">
-        <p14:creationId xmlns:p14="http://schemas.microsoft.com/office/powerpoint/2010/main" val="27865860"/>
+        <p14:creationId xmlns:p14="http://schemas.microsoft.com/office/powerpoint/2010/main" val="1381897126"/>
       </p:ext>
     </p:extLst>
   </p:cSld>
@@ -2697,7 +2698,7 @@
     </p:spTree>
     <p:extLst>
       <p:ext uri="{BB962C8B-B14F-4D97-AF65-F5344CB8AC3E}">
-        <p14:creationId xmlns:p14="http://schemas.microsoft.com/office/powerpoint/2010/main" val="919688074"/>
+        <p14:creationId xmlns:p14="http://schemas.microsoft.com/office/powerpoint/2010/main" val="798890823"/>
       </p:ext>
     </p:extLst>
   </p:cSld>
@@ -3133,7 +3134,7 @@
     </p:spTree>
     <p:extLst>
       <p:ext uri="{BB962C8B-B14F-4D97-AF65-F5344CB8AC3E}">
-        <p14:creationId xmlns:p14="http://schemas.microsoft.com/office/powerpoint/2010/main" val="3149461048"/>
+        <p14:creationId xmlns:p14="http://schemas.microsoft.com/office/powerpoint/2010/main" val="919688074"/>
       </p:ext>
     </p:extLst>
   </p:cSld>
@@ -3346,7 +3347,7 @@
     </p:spTree>
     <p:extLst>
       <p:ext uri="{BB962C8B-B14F-4D97-AF65-F5344CB8AC3E}">
-        <p14:creationId xmlns:p14="http://schemas.microsoft.com/office/powerpoint/2010/main" val="761756925"/>
+        <p14:creationId xmlns:p14="http://schemas.microsoft.com/office/powerpoint/2010/main" val="3149461048"/>
       </p:ext>
     </p:extLst>
   </p:cSld>
@@ -3455,7 +3456,7 @@
     </p:spTree>
     <p:extLst>
       <p:ext uri="{BB962C8B-B14F-4D97-AF65-F5344CB8AC3E}">
-        <p14:creationId xmlns:p14="http://schemas.microsoft.com/office/powerpoint/2010/main" val="1216949598"/>
+        <p14:creationId xmlns:p14="http://schemas.microsoft.com/office/powerpoint/2010/main" val="761756925"/>
       </p:ext>
     </p:extLst>
   </p:cSld>
@@ -3564,7 +3565,7 @@
     </p:spTree>
     <p:extLst>
       <p:ext uri="{BB962C8B-B14F-4D97-AF65-F5344CB8AC3E}">
-        <p14:creationId xmlns:p14="http://schemas.microsoft.com/office/powerpoint/2010/main" val="1459731087"/>
+        <p14:creationId xmlns:p14="http://schemas.microsoft.com/office/powerpoint/2010/main" val="1216949598"/>
       </p:ext>
     </p:extLst>
   </p:cSld>
@@ -3673,6 +3674,115 @@
     </p:spTree>
     <p:extLst>
       <p:ext uri="{BB962C8B-B14F-4D97-AF65-F5344CB8AC3E}">
+        <p14:creationId xmlns:p14="http://schemas.microsoft.com/office/powerpoint/2010/main" val="1459731087"/>
+      </p:ext>
+    </p:extLst>
+  </p:cSld>
+  <p:clrMapOvr>
+    <a:masterClrMapping/>
+  </p:clrMapOvr>
+</p:notes>
+</file>
+
+<file path=ppt/notesSlides/notesSlide34.xml><?xml version="1.0" encoding="utf-8"?>
+<p:notes xmlns:a="http://schemas.openxmlformats.org/drawingml/2006/main" xmlns:r="http://schemas.openxmlformats.org/officeDocument/2006/relationships" xmlns:p="http://schemas.openxmlformats.org/presentationml/2006/main" showMasterSp="0" showMasterPhAnim="0">
+  <p:cSld>
+    <p:spTree>
+      <p:nvGrpSpPr>
+        <p:cNvPr id="1" name="Shape 450"/>
+        <p:cNvGrpSpPr/>
+        <p:nvPr/>
+      </p:nvGrpSpPr>
+      <p:grpSpPr>
+        <a:xfrm>
+          <a:off x="0" y="0"/>
+          <a:ext cx="0" cy="0"/>
+          <a:chOff x="0" y="0"/>
+          <a:chExt cx="0" cy="0"/>
+        </a:xfrm>
+      </p:grpSpPr>
+      <p:sp>
+        <p:nvSpPr>
+          <p:cNvPr id="451" name="Google Shape;451;ga39e485748_0_0:notes"/>
+          <p:cNvSpPr>
+            <a:spLocks noGrp="1" noRot="1" noChangeAspect="1"/>
+          </p:cNvSpPr>
+          <p:nvPr>
+            <p:ph type="sldImg" idx="2"/>
+          </p:nvPr>
+        </p:nvSpPr>
+        <p:spPr>
+          <a:xfrm>
+            <a:off x="381000" y="685800"/>
+            <a:ext cx="6096000" cy="3429000"/>
+          </a:xfrm>
+          <a:custGeom>
+            <a:avLst/>
+            <a:gdLst/>
+            <a:ahLst/>
+            <a:cxnLst/>
+            <a:rect l="l" t="t" r="r" b="b"/>
+            <a:pathLst>
+              <a:path w="120000" h="120000" extrusionOk="0">
+                <a:moveTo>
+                  <a:pt x="0" y="0"/>
+                </a:moveTo>
+                <a:lnTo>
+                  <a:pt x="120000" y="0"/>
+                </a:lnTo>
+                <a:lnTo>
+                  <a:pt x="120000" y="120000"/>
+                </a:lnTo>
+                <a:lnTo>
+                  <a:pt x="0" y="120000"/>
+                </a:lnTo>
+                <a:close/>
+              </a:path>
+            </a:pathLst>
+          </a:custGeom>
+        </p:spPr>
+      </p:sp>
+      <p:sp>
+        <p:nvSpPr>
+          <p:cNvPr id="452" name="Google Shape;452;ga39e485748_0_0:notes"/>
+          <p:cNvSpPr txBox="1">
+            <a:spLocks noGrp="1"/>
+          </p:cNvSpPr>
+          <p:nvPr>
+            <p:ph type="body" idx="1"/>
+          </p:nvPr>
+        </p:nvSpPr>
+        <p:spPr>
+          <a:xfrm>
+            <a:off x="685800" y="4343400"/>
+            <a:ext cx="5486400" cy="4114800"/>
+          </a:xfrm>
+          <a:prstGeom prst="rect">
+            <a:avLst/>
+          </a:prstGeom>
+        </p:spPr>
+        <p:txBody>
+          <a:bodyPr spcFirstLastPara="1" wrap="square" lIns="91425" tIns="91425" rIns="91425" bIns="91425" anchor="t" anchorCtr="0">
+            <a:noAutofit/>
+          </a:bodyPr>
+          <a:lstStyle/>
+          <a:p>
+            <a:pPr marL="0" lvl="0" indent="0" algn="l" rtl="0">
+              <a:spcBef>
+                <a:spcPts val="0"/>
+              </a:spcBef>
+              <a:spcAft>
+                <a:spcPts val="0"/>
+              </a:spcAft>
+              <a:buNone/>
+            </a:pPr>
+            <a:endParaRPr/>
+          </a:p>
+        </p:txBody>
+      </p:sp>
+    </p:spTree>
+    <p:extLst>
+      <p:ext uri="{BB962C8B-B14F-4D97-AF65-F5344CB8AC3E}">
         <p14:creationId xmlns:p14="http://schemas.microsoft.com/office/powerpoint/2010/main" val="2722417055"/>
       </p:ext>
     </p:extLst>
@@ -3683,7 +3793,7 @@
 </p:notes>
 </file>
 
-<file path=ppt/notesSlides/notesSlide34.xml><?xml version="1.0" encoding="utf-8"?>
+<file path=ppt/notesSlides/notesSlide35.xml><?xml version="1.0" encoding="utf-8"?>
 <p:notes xmlns:a="http://schemas.openxmlformats.org/drawingml/2006/main" xmlns:r="http://schemas.openxmlformats.org/officeDocument/2006/relationships" xmlns:p="http://schemas.openxmlformats.org/presentationml/2006/main" showMasterSp="0" showMasterPhAnim="0">
   <p:cSld>
     <p:spTree>
@@ -18843,7 +18953,7 @@
             </a:pPr>
             <a:r>
               <a:rPr lang="en-US" sz="3600" dirty="0"/>
-              <a:t>Dealing with missing data (1)</a:t>
+              <a:t>Splitting the Outcome column</a:t>
             </a:r>
             <a:endParaRPr sz="3600" dirty="0"/>
           </a:p>
@@ -18920,43 +19030,7 @@
             </a:pPr>
             <a:r>
               <a:rPr lang="en-US" b="1" i="1" dirty="0"/>
-              <a:t>The first thing to observe that there are a lot of zeros in insulin </a:t>
-            </a:r>
-          </a:p>
-          <a:p>
-            <a:pPr marL="0" lvl="0" indent="0" algn="l">
-              <a:buClr>
-                <a:schemeClr val="dk1"/>
-              </a:buClr>
-              <a:buSzPts val="1100"/>
-            </a:pPr>
-            <a:r>
-              <a:rPr lang="en-US" b="1" i="1" dirty="0"/>
-              <a:t>The insulin level in humans can never be zero</a:t>
-            </a:r>
-          </a:p>
-          <a:p>
-            <a:pPr marL="0" lvl="0" indent="0" algn="l">
-              <a:buClr>
-                <a:schemeClr val="dk1"/>
-              </a:buClr>
-              <a:buSzPts val="1100"/>
-            </a:pPr>
-            <a:r>
-              <a:rPr lang="en-US" b="1" i="1" dirty="0"/>
-              <a:t>Also skin thickness , blood pressure , BMI</a:t>
-            </a:r>
-          </a:p>
-          <a:p>
-            <a:pPr marL="0" lvl="0" indent="0" algn="l">
-              <a:buClr>
-                <a:schemeClr val="dk1"/>
-              </a:buClr>
-              <a:buSzPts val="1100"/>
-            </a:pPr>
-            <a:r>
-              <a:rPr lang="en-US" b="1" i="1" dirty="0"/>
-              <a:t>Have the same problem</a:t>
+              <a:t>By using the method  .drop()</a:t>
             </a:r>
           </a:p>
           <a:p>
@@ -18990,10 +19064,10 @@
       </p:sp>
       <p:pic>
         <p:nvPicPr>
-          <p:cNvPr id="3" name="Picture 2">
+          <p:cNvPr id="4" name="Picture 3">
             <a:extLst>
               <a:ext uri="{FF2B5EF4-FFF2-40B4-BE49-F238E27FC236}">
-                <a16:creationId xmlns:a16="http://schemas.microsoft.com/office/drawing/2014/main" id="{9F1A3C4F-5D9B-9E8F-82E0-90545A053683}"/>
+                <a16:creationId xmlns:a16="http://schemas.microsoft.com/office/drawing/2014/main" id="{0BFDC6D3-0465-23E4-20FF-0BF2CC48115D}"/>
               </a:ext>
             </a:extLst>
           </p:cNvPr>
@@ -19010,8 +19084,8 @@
         </p:blipFill>
         <p:spPr>
           <a:xfrm>
-            <a:off x="1872929" y="3173574"/>
-            <a:ext cx="5105400" cy="1418436"/>
+            <a:off x="795264" y="2741028"/>
+            <a:ext cx="7718572" cy="436143"/>
           </a:xfrm>
           <a:prstGeom prst="rect">
             <a:avLst/>
@@ -19021,7 +19095,7 @@
     </p:spTree>
     <p:extLst>
       <p:ext uri="{BB962C8B-B14F-4D97-AF65-F5344CB8AC3E}">
-        <p14:creationId xmlns:p14="http://schemas.microsoft.com/office/powerpoint/2010/main" val="717354095"/>
+        <p14:creationId xmlns:p14="http://schemas.microsoft.com/office/powerpoint/2010/main" val="2056717390"/>
       </p:ext>
     </p:extLst>
   </p:cSld>
@@ -19238,7 +19312,7 @@
             </a:pPr>
             <a:r>
               <a:rPr lang="en-US" sz="3600" dirty="0"/>
-              <a:t>Splitting the Outcome column</a:t>
+              <a:t>Dealing with missing data (1)</a:t>
             </a:r>
             <a:endParaRPr sz="3600" dirty="0"/>
           </a:p>
@@ -19315,7 +19389,43 @@
             </a:pPr>
             <a:r>
               <a:rPr lang="en-US" b="1" i="1" dirty="0"/>
-              <a:t>By using the method  .drop()</a:t>
+              <a:t>The first thing to observe that there are a lot of zeros in insulin </a:t>
+            </a:r>
+          </a:p>
+          <a:p>
+            <a:pPr marL="0" lvl="0" indent="0" algn="l">
+              <a:buClr>
+                <a:schemeClr val="dk1"/>
+              </a:buClr>
+              <a:buSzPts val="1100"/>
+            </a:pPr>
+            <a:r>
+              <a:rPr lang="en-US" b="1" i="1" dirty="0"/>
+              <a:t>The insulin level in humans can never be zero</a:t>
+            </a:r>
+          </a:p>
+          <a:p>
+            <a:pPr marL="0" lvl="0" indent="0" algn="l">
+              <a:buClr>
+                <a:schemeClr val="dk1"/>
+              </a:buClr>
+              <a:buSzPts val="1100"/>
+            </a:pPr>
+            <a:r>
+              <a:rPr lang="en-US" b="1" i="1" dirty="0"/>
+              <a:t>Also skin thickness , blood pressure , BMI</a:t>
+            </a:r>
+          </a:p>
+          <a:p>
+            <a:pPr marL="0" lvl="0" indent="0" algn="l">
+              <a:buClr>
+                <a:schemeClr val="dk1"/>
+              </a:buClr>
+              <a:buSzPts val="1100"/>
+            </a:pPr>
+            <a:r>
+              <a:rPr lang="en-US" b="1" i="1" dirty="0"/>
+              <a:t>Have the same problem</a:t>
             </a:r>
           </a:p>
           <a:p>
@@ -19349,10 +19459,10 @@
       </p:sp>
       <p:pic>
         <p:nvPicPr>
-          <p:cNvPr id="4" name="Picture 3">
+          <p:cNvPr id="3" name="Picture 2">
             <a:extLst>
               <a:ext uri="{FF2B5EF4-FFF2-40B4-BE49-F238E27FC236}">
-                <a16:creationId xmlns:a16="http://schemas.microsoft.com/office/drawing/2014/main" id="{0BFDC6D3-0465-23E4-20FF-0BF2CC48115D}"/>
+                <a16:creationId xmlns:a16="http://schemas.microsoft.com/office/drawing/2014/main" id="{9F1A3C4F-5D9B-9E8F-82E0-90545A053683}"/>
               </a:ext>
             </a:extLst>
           </p:cNvPr>
@@ -19369,8 +19479,8 @@
         </p:blipFill>
         <p:spPr>
           <a:xfrm>
-            <a:off x="795264" y="2741028"/>
-            <a:ext cx="7718572" cy="436143"/>
+            <a:off x="1872929" y="3173574"/>
+            <a:ext cx="5105400" cy="1418436"/>
           </a:xfrm>
           <a:prstGeom prst="rect">
             <a:avLst/>
@@ -19380,7 +19490,7 @@
     </p:spTree>
     <p:extLst>
       <p:ext uri="{BB962C8B-B14F-4D97-AF65-F5344CB8AC3E}">
-        <p14:creationId xmlns:p14="http://schemas.microsoft.com/office/powerpoint/2010/main" val="2056717390"/>
+        <p14:creationId xmlns:p14="http://schemas.microsoft.com/office/powerpoint/2010/main" val="717354095"/>
       </p:ext>
     </p:extLst>
   </p:cSld>
@@ -19673,44 +19783,16 @@
               <a:buSzPts val="1100"/>
             </a:pPr>
             <a:r>
+              <a:rPr lang="en-US" b="1" i="1" dirty="0"/>
+              <a:t>Here we replace all the missing values that equal 0 with </a:t>
+            </a:r>
+            <a:r>
               <a:rPr lang="en-US" b="1" i="1" dirty="0" err="1"/>
-              <a:t>Sklearn</a:t>
+              <a:t>np.nan</a:t>
             </a:r>
             <a:r>
               <a:rPr lang="en-US" b="1" i="1" dirty="0"/>
-              <a:t> provides a class that deals with missing values</a:t>
-            </a:r>
-          </a:p>
-          <a:p>
-            <a:pPr marL="0" lvl="0" indent="0" algn="l">
-              <a:buClr>
-                <a:schemeClr val="dk1"/>
-              </a:buClr>
-              <a:buSzPts val="1100"/>
-            </a:pPr>
-            <a:r>
-              <a:rPr lang="en-US" b="1" i="1" dirty="0"/>
-              <a:t>(</a:t>
-            </a:r>
-            <a:r>
-              <a:rPr lang="en-US" b="1" i="1" dirty="0" err="1"/>
-              <a:t>SimpleImputer</a:t>
-            </a:r>
-            <a:r>
-              <a:rPr lang="en-US" b="1" i="1" dirty="0"/>
-              <a:t>)</a:t>
-            </a:r>
-          </a:p>
-          <a:p>
-            <a:pPr marL="0" lvl="0" indent="0" algn="l">
-              <a:buClr>
-                <a:schemeClr val="dk1"/>
-              </a:buClr>
-              <a:buSzPts val="1100"/>
-            </a:pPr>
-            <a:r>
-              <a:rPr lang="en-US" b="1" i="1" dirty="0"/>
-              <a:t>By replacing the missing values with the mean of the available values</a:t>
+              <a:t>, so it can not affect the next analysis </a:t>
             </a:r>
           </a:p>
           <a:p>
@@ -19747,7 +19829,7 @@
           <p:cNvPr id="4" name="Picture 3">
             <a:extLst>
               <a:ext uri="{FF2B5EF4-FFF2-40B4-BE49-F238E27FC236}">
-                <a16:creationId xmlns:a16="http://schemas.microsoft.com/office/drawing/2014/main" id="{21958BA2-9545-FB31-68BC-EBC70BE8BD17}"/>
+                <a16:creationId xmlns:a16="http://schemas.microsoft.com/office/drawing/2014/main" id="{CBF86539-6C52-2D11-7A50-BE6665547C74}"/>
               </a:ext>
             </a:extLst>
           </p:cNvPr>
@@ -19764,8 +19846,8 @@
         </p:blipFill>
         <p:spPr>
           <a:xfrm>
-            <a:off x="757056" y="2791950"/>
-            <a:ext cx="7629888" cy="2038350"/>
+            <a:off x="223630" y="3003578"/>
+            <a:ext cx="8696739" cy="1169001"/>
           </a:xfrm>
           <a:prstGeom prst="rect">
             <a:avLst/>
@@ -19775,7 +19857,7 @@
     </p:spTree>
     <p:extLst>
       <p:ext uri="{BB962C8B-B14F-4D97-AF65-F5344CB8AC3E}">
-        <p14:creationId xmlns:p14="http://schemas.microsoft.com/office/powerpoint/2010/main" val="1680593436"/>
+        <p14:creationId xmlns:p14="http://schemas.microsoft.com/office/powerpoint/2010/main" val="177925894"/>
       </p:ext>
     </p:extLst>
   </p:cSld>
@@ -20237,7 +20319,7 @@
             </a:pPr>
             <a:r>
               <a:rPr lang="en-US" sz="3600" dirty="0"/>
-              <a:t>Dealing with outliers</a:t>
+              <a:t>Removing outliers</a:t>
             </a:r>
             <a:endParaRPr sz="3600" dirty="0"/>
           </a:p>
@@ -20598,7 +20680,7 @@
             </a:pPr>
             <a:r>
               <a:rPr lang="en-US" sz="3600" dirty="0"/>
-              <a:t>Dealing with outliers</a:t>
+              <a:t>Outliers removed</a:t>
             </a:r>
             <a:endParaRPr sz="3600" dirty="0"/>
           </a:p>
@@ -20812,6 +20894,575 @@
         </p:nvSpPr>
         <p:spPr>
           <a:xfrm flipH="1">
+            <a:off x="343006" y="313200"/>
+            <a:ext cx="5579809" cy="1132351"/>
+          </a:xfrm>
+          <a:prstGeom prst="rect">
+            <a:avLst/>
+          </a:prstGeom>
+        </p:spPr>
+        <p:txBody>
+          <a:bodyPr spcFirstLastPara="1" wrap="square" lIns="91425" tIns="91425" rIns="91425" bIns="91425" anchor="b" anchorCtr="0">
+            <a:noAutofit/>
+          </a:bodyPr>
+          <a:lstStyle/>
+          <a:p>
+            <a:pPr algn="l">
+              <a:buClr>
+                <a:schemeClr val="dk1"/>
+              </a:buClr>
+              <a:buSzPts val="1100"/>
+            </a:pPr>
+            <a:r>
+              <a:rPr lang="en-US" sz="3600" dirty="0"/>
+              <a:t>Dealing with missing </a:t>
+            </a:r>
+            <a:r>
+              <a:rPr lang="en-US" sz="3600"/>
+              <a:t>data (3)</a:t>
+            </a:r>
+            <a:endParaRPr sz="3600" dirty="0"/>
+          </a:p>
+        </p:txBody>
+      </p:sp>
+      <p:cxnSp>
+        <p:nvCxnSpPr>
+          <p:cNvPr id="33" name="Google Shape;534;p72">
+            <a:extLst>
+              <a:ext uri="{FF2B5EF4-FFF2-40B4-BE49-F238E27FC236}">
+                <a16:creationId xmlns:a16="http://schemas.microsoft.com/office/drawing/2014/main" id="{56F19248-3862-5C58-3C76-F1AAA7BD7FA9}"/>
+              </a:ext>
+            </a:extLst>
+          </p:cNvPr>
+          <p:cNvCxnSpPr/>
+          <p:nvPr/>
+        </p:nvCxnSpPr>
+        <p:spPr>
+          <a:xfrm>
+            <a:off x="507661" y="1512573"/>
+            <a:ext cx="3427050" cy="8400"/>
+          </a:xfrm>
+          <a:prstGeom prst="straightConnector1">
+            <a:avLst/>
+          </a:prstGeom>
+          <a:noFill/>
+          <a:ln w="19050" cap="flat" cmpd="sng">
+            <a:solidFill>
+              <a:schemeClr val="lt1"/>
+            </a:solidFill>
+            <a:prstDash val="solid"/>
+            <a:round/>
+            <a:headEnd type="none" w="med" len="med"/>
+            <a:tailEnd type="none" w="med" len="med"/>
+          </a:ln>
+        </p:spPr>
+      </p:cxnSp>
+      <p:sp>
+        <p:nvSpPr>
+          <p:cNvPr id="34" name="Google Shape;528;p72">
+            <a:extLst>
+              <a:ext uri="{FF2B5EF4-FFF2-40B4-BE49-F238E27FC236}">
+                <a16:creationId xmlns:a16="http://schemas.microsoft.com/office/drawing/2014/main" id="{E8B212C1-14A8-D3AC-D72E-E7AB544A1412}"/>
+              </a:ext>
+            </a:extLst>
+          </p:cNvPr>
+          <p:cNvSpPr txBox="1">
+            <a:spLocks noGrp="1"/>
+          </p:cNvSpPr>
+          <p:nvPr>
+            <p:ph type="subTitle" idx="1"/>
+          </p:nvPr>
+        </p:nvSpPr>
+        <p:spPr>
+          <a:xfrm>
+            <a:off x="507661" y="1735447"/>
+            <a:ext cx="3917968" cy="1223653"/>
+          </a:xfrm>
+          <a:prstGeom prst="rect">
+            <a:avLst/>
+          </a:prstGeom>
+        </p:spPr>
+        <p:txBody>
+          <a:bodyPr spcFirstLastPara="1" wrap="square" lIns="91425" tIns="91425" rIns="91425" bIns="91425" anchor="t" anchorCtr="0">
+            <a:noAutofit/>
+          </a:bodyPr>
+          <a:lstStyle/>
+          <a:p>
+            <a:pPr marL="0" lvl="0" indent="0" algn="l">
+              <a:buClr>
+                <a:schemeClr val="dk1"/>
+              </a:buClr>
+              <a:buSzPts val="1100"/>
+            </a:pPr>
+            <a:r>
+              <a:rPr lang="en-US" b="1" i="1" dirty="0" err="1"/>
+              <a:t>Sklearn</a:t>
+            </a:r>
+            <a:r>
+              <a:rPr lang="en-US" b="1" i="1" dirty="0"/>
+              <a:t> provides a class that deals with missing values</a:t>
+            </a:r>
+          </a:p>
+          <a:p>
+            <a:pPr marL="0" lvl="0" indent="0" algn="l">
+              <a:buClr>
+                <a:schemeClr val="dk1"/>
+              </a:buClr>
+              <a:buSzPts val="1100"/>
+            </a:pPr>
+            <a:r>
+              <a:rPr lang="en-US" b="1" i="1" dirty="0"/>
+              <a:t>(</a:t>
+            </a:r>
+            <a:r>
+              <a:rPr lang="en-US" b="1" i="1" dirty="0" err="1"/>
+              <a:t>SimpleImputer</a:t>
+            </a:r>
+            <a:r>
+              <a:rPr lang="en-US" b="1" i="1" dirty="0"/>
+              <a:t>)</a:t>
+            </a:r>
+          </a:p>
+          <a:p>
+            <a:pPr marL="0" lvl="0" indent="0" algn="l">
+              <a:buClr>
+                <a:schemeClr val="dk1"/>
+              </a:buClr>
+              <a:buSzPts val="1100"/>
+            </a:pPr>
+            <a:r>
+              <a:rPr lang="en-US" b="1" i="1" dirty="0"/>
+              <a:t>By replacing the missing values with the mean of the available values</a:t>
+            </a:r>
+          </a:p>
+          <a:p>
+            <a:pPr marL="0" lvl="0" indent="0" algn="l">
+              <a:buClr>
+                <a:schemeClr val="dk1"/>
+              </a:buClr>
+              <a:buSzPts val="1100"/>
+            </a:pPr>
+            <a:endParaRPr lang="en-US" b="1" i="1" dirty="0"/>
+          </a:p>
+          <a:p>
+            <a:pPr marL="0" lvl="0" indent="0">
+              <a:buClr>
+                <a:schemeClr val="dk1"/>
+              </a:buClr>
+              <a:buSzPts val="1100"/>
+            </a:pPr>
+            <a:endParaRPr lang="en-US" b="1" i="1" dirty="0"/>
+          </a:p>
+          <a:p>
+            <a:pPr marL="0" lvl="0" indent="0">
+              <a:buClr>
+                <a:schemeClr val="dk1"/>
+              </a:buClr>
+              <a:buSzPts val="1100"/>
+            </a:pPr>
+            <a:endParaRPr dirty="0"/>
+          </a:p>
+        </p:txBody>
+      </p:sp>
+      <p:pic>
+        <p:nvPicPr>
+          <p:cNvPr id="4" name="Picture 3">
+            <a:extLst>
+              <a:ext uri="{FF2B5EF4-FFF2-40B4-BE49-F238E27FC236}">
+                <a16:creationId xmlns:a16="http://schemas.microsoft.com/office/drawing/2014/main" id="{21958BA2-9545-FB31-68BC-EBC70BE8BD17}"/>
+              </a:ext>
+            </a:extLst>
+          </p:cNvPr>
+          <p:cNvPicPr>
+            <a:picLocks noChangeAspect="1"/>
+          </p:cNvPicPr>
+          <p:nvPr/>
+        </p:nvPicPr>
+        <p:blipFill>
+          <a:blip r:embed="rId3"/>
+          <a:stretch>
+            <a:fillRect/>
+          </a:stretch>
+        </p:blipFill>
+        <p:spPr>
+          <a:xfrm>
+            <a:off x="757056" y="2791950"/>
+            <a:ext cx="7629888" cy="2038350"/>
+          </a:xfrm>
+          <a:prstGeom prst="rect">
+            <a:avLst/>
+          </a:prstGeom>
+        </p:spPr>
+      </p:pic>
+    </p:spTree>
+    <p:extLst>
+      <p:ext uri="{BB962C8B-B14F-4D97-AF65-F5344CB8AC3E}">
+        <p14:creationId xmlns:p14="http://schemas.microsoft.com/office/powerpoint/2010/main" val="1680593436"/>
+      </p:ext>
+    </p:extLst>
+  </p:cSld>
+  <p:clrMapOvr>
+    <a:masterClrMapping/>
+  </p:clrMapOvr>
+  <p:timing>
+    <p:tnLst>
+      <p:par>
+        <p:cTn id="1" dur="indefinite" restart="never" nodeType="tmRoot">
+          <p:childTnLst>
+            <p:seq concurrent="1" nextAc="seek">
+              <p:cTn id="2" dur="indefinite" nodeType="mainSeq">
+                <p:childTnLst>
+                  <p:par>
+                    <p:cTn id="3" fill="hold">
+                      <p:stCondLst>
+                        <p:cond delay="indefinite"/>
+                      </p:stCondLst>
+                      <p:childTnLst>
+                        <p:par>
+                          <p:cTn id="4" fill="hold">
+                            <p:stCondLst>
+                              <p:cond delay="0"/>
+                            </p:stCondLst>
+                            <p:childTnLst>
+                              <p:par>
+                                <p:cTn id="5" presetID="2" presetClass="entr" presetSubtype="1" fill="hold" nodeType="clickEffect">
+                                  <p:stCondLst>
+                                    <p:cond delay="0"/>
+                                  </p:stCondLst>
+                                  <p:childTnLst>
+                                    <p:set>
+                                      <p:cBhvr>
+                                        <p:cTn id="6" dur="1" fill="hold">
+                                          <p:stCondLst>
+                                            <p:cond delay="0"/>
+                                          </p:stCondLst>
+                                        </p:cTn>
+                                        <p:tgtEl>
+                                          <p:spTgt spid="32"/>
+                                        </p:tgtEl>
+                                        <p:attrNameLst>
+                                          <p:attrName>style.visibility</p:attrName>
+                                        </p:attrNameLst>
+                                      </p:cBhvr>
+                                      <p:to>
+                                        <p:strVal val="visible"/>
+                                      </p:to>
+                                    </p:set>
+                                    <p:anim calcmode="lin" valueType="num">
+                                      <p:cBhvr additive="base">
+                                        <p:cTn id="7" dur="1000"/>
+                                        <p:tgtEl>
+                                          <p:spTgt spid="32"/>
+                                        </p:tgtEl>
+                                        <p:attrNameLst>
+                                          <p:attrName>ppt_y</p:attrName>
+                                        </p:attrNameLst>
+                                      </p:cBhvr>
+                                      <p:tavLst>
+                                        <p:tav tm="0">
+                                          <p:val>
+                                            <p:strVal val="#ppt_y-1"/>
+                                          </p:val>
+                                        </p:tav>
+                                        <p:tav tm="100000">
+                                          <p:val>
+                                            <p:strVal val="#ppt_y"/>
+                                          </p:val>
+                                        </p:tav>
+                                      </p:tavLst>
+                                    </p:anim>
+                                  </p:childTnLst>
+                                </p:cTn>
+                              </p:par>
+                            </p:childTnLst>
+                          </p:cTn>
+                        </p:par>
+                      </p:childTnLst>
+                    </p:cTn>
+                  </p:par>
+                  <p:par>
+                    <p:cTn id="8" fill="hold">
+                      <p:stCondLst>
+                        <p:cond delay="indefinite"/>
+                      </p:stCondLst>
+                      <p:childTnLst>
+                        <p:par>
+                          <p:cTn id="9" fill="hold">
+                            <p:stCondLst>
+                              <p:cond delay="0"/>
+                            </p:stCondLst>
+                            <p:childTnLst>
+                              <p:par>
+                                <p:cTn id="10" presetID="10" presetClass="entr" presetSubtype="0" fill="hold" nodeType="clickEffect">
+                                  <p:stCondLst>
+                                    <p:cond delay="0"/>
+                                  </p:stCondLst>
+                                  <p:childTnLst>
+                                    <p:set>
+                                      <p:cBhvr>
+                                        <p:cTn id="11" dur="1" fill="hold">
+                                          <p:stCondLst>
+                                            <p:cond delay="0"/>
+                                          </p:stCondLst>
+                                        </p:cTn>
+                                        <p:tgtEl>
+                                          <p:spTgt spid="34"/>
+                                        </p:tgtEl>
+                                        <p:attrNameLst>
+                                          <p:attrName>style.visibility</p:attrName>
+                                        </p:attrNameLst>
+                                      </p:cBhvr>
+                                      <p:to>
+                                        <p:strVal val="visible"/>
+                                      </p:to>
+                                    </p:set>
+                                    <p:animEffect transition="in" filter="fade">
+                                      <p:cBhvr>
+                                        <p:cTn id="12" dur="1000"/>
+                                        <p:tgtEl>
+                                          <p:spTgt spid="34"/>
+                                        </p:tgtEl>
+                                      </p:cBhvr>
+                                    </p:animEffect>
+                                  </p:childTnLst>
+                                </p:cTn>
+                              </p:par>
+                            </p:childTnLst>
+                          </p:cTn>
+                        </p:par>
+                      </p:childTnLst>
+                    </p:cTn>
+                  </p:par>
+                </p:childTnLst>
+              </p:cTn>
+              <p:prevCondLst>
+                <p:cond evt="onPrev" delay="0">
+                  <p:tgtEl>
+                    <p:sldTgt/>
+                  </p:tgtEl>
+                </p:cond>
+              </p:prevCondLst>
+              <p:nextCondLst>
+                <p:cond evt="onNext" delay="0">
+                  <p:tgtEl>
+                    <p:sldTgt/>
+                  </p:tgtEl>
+                </p:cond>
+              </p:nextCondLst>
+            </p:seq>
+          </p:childTnLst>
+        </p:cTn>
+      </p:par>
+    </p:tnLst>
+  </p:timing>
+</p:sld>
+</file>
+
+<file path=ppt/slides/slide3.xml><?xml version="1.0" encoding="utf-8"?>
+<p:sld xmlns:a="http://schemas.openxmlformats.org/drawingml/2006/main" xmlns:r="http://schemas.openxmlformats.org/officeDocument/2006/relationships" xmlns:p="http://schemas.openxmlformats.org/presentationml/2006/main">
+  <p:cSld>
+    <p:spTree>
+      <p:nvGrpSpPr>
+        <p:cNvPr id="1" name="Shape 447"/>
+        <p:cNvGrpSpPr/>
+        <p:nvPr/>
+      </p:nvGrpSpPr>
+      <p:grpSpPr>
+        <a:xfrm>
+          <a:off x="0" y="0"/>
+          <a:ext cx="0" cy="0"/>
+          <a:chOff x="0" y="0"/>
+          <a:chExt cx="0" cy="0"/>
+        </a:xfrm>
+      </p:grpSpPr>
+      <p:sp>
+        <p:nvSpPr>
+          <p:cNvPr id="448" name="Google Shape;448;p61"/>
+          <p:cNvSpPr txBox="1">
+            <a:spLocks noGrp="1"/>
+          </p:cNvSpPr>
+          <p:nvPr>
+            <p:ph type="ctrTitle"/>
+          </p:nvPr>
+        </p:nvSpPr>
+        <p:spPr>
+          <a:xfrm flipH="1">
+            <a:off x="479700" y="264916"/>
+            <a:ext cx="8184600" cy="670500"/>
+          </a:xfrm>
+          <a:prstGeom prst="rect">
+            <a:avLst/>
+          </a:prstGeom>
+        </p:spPr>
+        <p:txBody>
+          <a:bodyPr spcFirstLastPara="1" wrap="square" lIns="91425" tIns="91425" rIns="91425" bIns="91425" anchor="t" anchorCtr="0">
+            <a:noAutofit/>
+          </a:bodyPr>
+          <a:lstStyle/>
+          <a:p>
+            <a:pPr marL="0" lvl="0" indent="0" algn="ctr" rtl="0">
+              <a:spcBef>
+                <a:spcPts val="0"/>
+              </a:spcBef>
+              <a:spcAft>
+                <a:spcPts val="0"/>
+              </a:spcAft>
+              <a:buNone/>
+            </a:pPr>
+            <a:r>
+              <a:rPr lang="en-US" dirty="0">
+                <a:latin typeface="Squada One" panose="020B0604020202020204" charset="0"/>
+                <a:cs typeface="Segoe UI Semibold" panose="020B0702040204020203" pitchFamily="34" charset="0"/>
+              </a:rPr>
+              <a:t>What are Decision trees?</a:t>
+            </a:r>
+            <a:br>
+              <a:rPr lang="en-US" dirty="0">
+                <a:latin typeface="Squada One" panose="020B0604020202020204" charset="0"/>
+                <a:cs typeface="Segoe UI Semibold" panose="020B0702040204020203" pitchFamily="34" charset="0"/>
+              </a:rPr>
+            </a:br>
+            <a:endParaRPr lang="en-US" dirty="0">
+              <a:latin typeface="Squada One" panose="020B0604020202020204" charset="0"/>
+              <a:cs typeface="Segoe UI Semibold" panose="020B0702040204020203" pitchFamily="34" charset="0"/>
+            </a:endParaRPr>
+          </a:p>
+        </p:txBody>
+      </p:sp>
+      <p:sp>
+        <p:nvSpPr>
+          <p:cNvPr id="3" name="Subtitle 2">
+            <a:extLst>
+              <a:ext uri="{FF2B5EF4-FFF2-40B4-BE49-F238E27FC236}">
+                <a16:creationId xmlns:a16="http://schemas.microsoft.com/office/drawing/2014/main" id="{FC8E90FF-92AB-5D6D-DFA5-4423929F0209}"/>
+              </a:ext>
+            </a:extLst>
+          </p:cNvPr>
+          <p:cNvSpPr>
+            <a:spLocks noGrp="1"/>
+          </p:cNvSpPr>
+          <p:nvPr>
+            <p:ph type="subTitle" idx="1"/>
+          </p:nvPr>
+        </p:nvSpPr>
+        <p:spPr>
+          <a:xfrm>
+            <a:off x="1193004" y="475475"/>
+            <a:ext cx="6633300" cy="3243900"/>
+          </a:xfrm>
+        </p:spPr>
+        <p:txBody>
+          <a:bodyPr/>
+          <a:lstStyle/>
+          <a:p>
+            <a:pPr marL="114300" indent="0">
+              <a:buNone/>
+            </a:pPr>
+            <a:r>
+              <a:rPr lang="en-US" sz="2400" dirty="0">
+                <a:latin typeface="Squada One" panose="020B0604020202020204" charset="0"/>
+                <a:cs typeface="Segoe UI Semibold" panose="020B0702040204020203" pitchFamily="34" charset="0"/>
+              </a:rPr>
+              <a:t>A decision tree is a tree in which each branch node represents a choice between a number of alternatives, and each leaf node represents a decision.</a:t>
+            </a:r>
+          </a:p>
+        </p:txBody>
+      </p:sp>
+      <p:pic>
+        <p:nvPicPr>
+          <p:cNvPr id="5" name="Picture 4">
+            <a:extLst>
+              <a:ext uri="{FF2B5EF4-FFF2-40B4-BE49-F238E27FC236}">
+                <a16:creationId xmlns:a16="http://schemas.microsoft.com/office/drawing/2014/main" id="{96E6523C-0011-0C30-F79B-F8656EF2593F}"/>
+              </a:ext>
+            </a:extLst>
+          </p:cNvPr>
+          <p:cNvPicPr>
+            <a:picLocks noChangeAspect="1"/>
+          </p:cNvPicPr>
+          <p:nvPr/>
+        </p:nvPicPr>
+        <p:blipFill>
+          <a:blip r:embed="rId3">
+            <a:extLst>
+              <a:ext uri="{BEBA8EAE-BF5A-486C-A8C5-ECC9F3942E4B}">
+                <a14:imgProps xmlns:a14="http://schemas.microsoft.com/office/drawing/2010/main">
+                  <a14:imgLayer r:embed="rId4">
+                    <a14:imgEffect>
+                      <a14:saturation sat="33000"/>
+                    </a14:imgEffect>
+                  </a14:imgLayer>
+                </a14:imgProps>
+              </a:ext>
+            </a:extLst>
+          </a:blip>
+          <a:stretch>
+            <a:fillRect/>
+          </a:stretch>
+        </p:blipFill>
+        <p:spPr>
+          <a:xfrm>
+            <a:off x="3151911" y="3307919"/>
+            <a:ext cx="3020290" cy="1698913"/>
+          </a:xfrm>
+          <a:prstGeom prst="rect">
+            <a:avLst/>
+          </a:prstGeom>
+          <a:ln>
+            <a:noFill/>
+          </a:ln>
+          <a:effectLst>
+            <a:outerShdw blurRad="190500" algn="tl" rotWithShape="0">
+              <a:srgbClr val="000000">
+                <a:alpha val="70000"/>
+              </a:srgbClr>
+            </a:outerShdw>
+          </a:effectLst>
+        </p:spPr>
+      </p:pic>
+    </p:spTree>
+  </p:cSld>
+  <p:clrMapOvr>
+    <a:masterClrMapping/>
+  </p:clrMapOvr>
+</p:sld>
+</file>
+
+<file path=ppt/slides/slide30.xml><?xml version="1.0" encoding="utf-8"?>
+<p:sld xmlns:a="http://schemas.openxmlformats.org/drawingml/2006/main" xmlns:r="http://schemas.openxmlformats.org/officeDocument/2006/relationships" xmlns:p="http://schemas.openxmlformats.org/presentationml/2006/main">
+  <p:cSld>
+    <p:spTree>
+      <p:nvGrpSpPr>
+        <p:cNvPr id="1" name="Shape 453"/>
+        <p:cNvGrpSpPr/>
+        <p:nvPr/>
+      </p:nvGrpSpPr>
+      <p:grpSpPr>
+        <a:xfrm>
+          <a:off x="0" y="0"/>
+          <a:ext cx="0" cy="0"/>
+          <a:chOff x="0" y="0"/>
+          <a:chExt cx="0" cy="0"/>
+        </a:xfrm>
+      </p:grpSpPr>
+      <p:sp>
+        <p:nvSpPr>
+          <p:cNvPr id="32" name="Google Shape;527;p72">
+            <a:extLst>
+              <a:ext uri="{FF2B5EF4-FFF2-40B4-BE49-F238E27FC236}">
+                <a16:creationId xmlns:a16="http://schemas.microsoft.com/office/drawing/2014/main" id="{91EED6B3-C012-2DFB-F5F2-469183B9A7F6}"/>
+              </a:ext>
+            </a:extLst>
+          </p:cNvPr>
+          <p:cNvSpPr txBox="1">
+            <a:spLocks noGrp="1"/>
+          </p:cNvSpPr>
+          <p:nvPr>
+            <p:ph type="ctrTitle"/>
+          </p:nvPr>
+        </p:nvSpPr>
+        <p:spPr>
+          <a:xfrm flipH="1">
             <a:off x="316578" y="2510300"/>
             <a:ext cx="3251094" cy="1132351"/>
           </a:xfrm>
@@ -21012,177 +21663,7 @@
 </p:sld>
 </file>
 
-<file path=ppt/slides/slide3.xml><?xml version="1.0" encoding="utf-8"?>
-<p:sld xmlns:a="http://schemas.openxmlformats.org/drawingml/2006/main" xmlns:r="http://schemas.openxmlformats.org/officeDocument/2006/relationships" xmlns:p="http://schemas.openxmlformats.org/presentationml/2006/main">
-  <p:cSld>
-    <p:spTree>
-      <p:nvGrpSpPr>
-        <p:cNvPr id="1" name="Shape 447"/>
-        <p:cNvGrpSpPr/>
-        <p:nvPr/>
-      </p:nvGrpSpPr>
-      <p:grpSpPr>
-        <a:xfrm>
-          <a:off x="0" y="0"/>
-          <a:ext cx="0" cy="0"/>
-          <a:chOff x="0" y="0"/>
-          <a:chExt cx="0" cy="0"/>
-        </a:xfrm>
-      </p:grpSpPr>
-      <p:sp>
-        <p:nvSpPr>
-          <p:cNvPr id="448" name="Google Shape;448;p61"/>
-          <p:cNvSpPr txBox="1">
-            <a:spLocks noGrp="1"/>
-          </p:cNvSpPr>
-          <p:nvPr>
-            <p:ph type="ctrTitle"/>
-          </p:nvPr>
-        </p:nvSpPr>
-        <p:spPr>
-          <a:xfrm flipH="1">
-            <a:off x="479700" y="264916"/>
-            <a:ext cx="8184600" cy="670500"/>
-          </a:xfrm>
-          <a:prstGeom prst="rect">
-            <a:avLst/>
-          </a:prstGeom>
-        </p:spPr>
-        <p:txBody>
-          <a:bodyPr spcFirstLastPara="1" wrap="square" lIns="91425" tIns="91425" rIns="91425" bIns="91425" anchor="t" anchorCtr="0">
-            <a:noAutofit/>
-          </a:bodyPr>
-          <a:lstStyle/>
-          <a:p>
-            <a:pPr marL="0" lvl="0" indent="0" algn="ctr" rtl="0">
-              <a:spcBef>
-                <a:spcPts val="0"/>
-              </a:spcBef>
-              <a:spcAft>
-                <a:spcPts val="0"/>
-              </a:spcAft>
-              <a:buNone/>
-            </a:pPr>
-            <a:r>
-              <a:rPr lang="en-US" dirty="0">
-                <a:latin typeface="Squada One" panose="020B0604020202020204" charset="0"/>
-                <a:cs typeface="Segoe UI Semibold" panose="020B0702040204020203" pitchFamily="34" charset="0"/>
-              </a:rPr>
-              <a:t>What are Decision trees?</a:t>
-            </a:r>
-            <a:br>
-              <a:rPr lang="en-US" dirty="0">
-                <a:latin typeface="Squada One" panose="020B0604020202020204" charset="0"/>
-                <a:cs typeface="Segoe UI Semibold" panose="020B0702040204020203" pitchFamily="34" charset="0"/>
-              </a:rPr>
-            </a:br>
-            <a:endParaRPr lang="en-US" dirty="0">
-              <a:latin typeface="Squada One" panose="020B0604020202020204" charset="0"/>
-              <a:cs typeface="Segoe UI Semibold" panose="020B0702040204020203" pitchFamily="34" charset="0"/>
-            </a:endParaRPr>
-          </a:p>
-        </p:txBody>
-      </p:sp>
-      <p:sp>
-        <p:nvSpPr>
-          <p:cNvPr id="3" name="Subtitle 2">
-            <a:extLst>
-              <a:ext uri="{FF2B5EF4-FFF2-40B4-BE49-F238E27FC236}">
-                <a16:creationId xmlns:a16="http://schemas.microsoft.com/office/drawing/2014/main" id="{FC8E90FF-92AB-5D6D-DFA5-4423929F0209}"/>
-              </a:ext>
-            </a:extLst>
-          </p:cNvPr>
-          <p:cNvSpPr>
-            <a:spLocks noGrp="1"/>
-          </p:cNvSpPr>
-          <p:nvPr>
-            <p:ph type="subTitle" idx="1"/>
-          </p:nvPr>
-        </p:nvSpPr>
-        <p:spPr>
-          <a:xfrm>
-            <a:off x="1193004" y="475475"/>
-            <a:ext cx="6633300" cy="3243900"/>
-          </a:xfrm>
-        </p:spPr>
-        <p:txBody>
-          <a:bodyPr/>
-          <a:lstStyle/>
-          <a:p>
-            <a:pPr marL="114300" indent="0">
-              <a:buNone/>
-            </a:pPr>
-            <a:r>
-              <a:rPr lang="en-US" sz="2400" dirty="0">
-                <a:latin typeface="Squada One" panose="020B0604020202020204" charset="0"/>
-                <a:cs typeface="Segoe UI Semibold" panose="020B0702040204020203" pitchFamily="34" charset="0"/>
-              </a:rPr>
-              <a:t>A decision tree is a tree in which each branch node represents a choice between a number of alternatives, and each leaf node represents a decision.</a:t>
-            </a:r>
-          </a:p>
-        </p:txBody>
-      </p:sp>
-      <p:pic>
-        <p:nvPicPr>
-          <p:cNvPr id="5" name="Picture 4">
-            <a:extLst>
-              <a:ext uri="{FF2B5EF4-FFF2-40B4-BE49-F238E27FC236}">
-                <a16:creationId xmlns:a16="http://schemas.microsoft.com/office/drawing/2014/main" id="{96E6523C-0011-0C30-F79B-F8656EF2593F}"/>
-              </a:ext>
-            </a:extLst>
-          </p:cNvPr>
-          <p:cNvPicPr>
-            <a:picLocks noChangeAspect="1"/>
-          </p:cNvPicPr>
-          <p:nvPr/>
-        </p:nvPicPr>
-        <p:blipFill>
-          <a:blip r:embed="rId3">
-            <a:extLst>
-              <a:ext uri="{BEBA8EAE-BF5A-486C-A8C5-ECC9F3942E4B}">
-                <a14:imgProps xmlns:a14="http://schemas.microsoft.com/office/drawing/2010/main">
-                  <a14:imgLayer r:embed="rId4">
-                    <a14:imgEffect>
-                      <a14:saturation sat="33000"/>
-                    </a14:imgEffect>
-                  </a14:imgLayer>
-                </a14:imgProps>
-              </a:ext>
-            </a:extLst>
-          </a:blip>
-          <a:stretch>
-            <a:fillRect/>
-          </a:stretch>
-        </p:blipFill>
-        <p:spPr>
-          <a:xfrm>
-            <a:off x="3151911" y="3307919"/>
-            <a:ext cx="3020290" cy="1698913"/>
-          </a:xfrm>
-          <a:prstGeom prst="rect">
-            <a:avLst/>
-          </a:prstGeom>
-          <a:ln>
-            <a:noFill/>
-          </a:ln>
-          <a:effectLst>
-            <a:outerShdw blurRad="190500" algn="tl" rotWithShape="0">
-              <a:srgbClr val="000000">
-                <a:alpha val="70000"/>
-              </a:srgbClr>
-            </a:outerShdw>
-          </a:effectLst>
-        </p:spPr>
-      </p:pic>
-    </p:spTree>
-  </p:cSld>
-  <p:clrMapOvr>
-    <a:masterClrMapping/>
-  </p:clrMapOvr>
-</p:sld>
-</file>
-
-<file path=ppt/slides/slide30.xml><?xml version="1.0" encoding="utf-8"?>
+<file path=ppt/slides/slide31.xml><?xml version="1.0" encoding="utf-8"?>
 <p:sld xmlns:a="http://schemas.openxmlformats.org/drawingml/2006/main" xmlns:r="http://schemas.openxmlformats.org/officeDocument/2006/relationships" xmlns:p="http://schemas.openxmlformats.org/presentationml/2006/main">
   <p:cSld>
     <p:spTree>
@@ -21904,7 +22385,7 @@
 </p:sld>
 </file>
 
-<file path=ppt/slides/slide31.xml><?xml version="1.0" encoding="utf-8"?>
+<file path=ppt/slides/slide32.xml><?xml version="1.0" encoding="utf-8"?>
 <p:sld xmlns:a="http://schemas.openxmlformats.org/drawingml/2006/main" xmlns:r="http://schemas.openxmlformats.org/officeDocument/2006/relationships" xmlns:p="http://schemas.openxmlformats.org/presentationml/2006/main">
   <p:cSld>
     <p:spTree>
@@ -22094,406 +22575,6 @@
     <p:extLst>
       <p:ext uri="{BB962C8B-B14F-4D97-AF65-F5344CB8AC3E}">
         <p14:creationId xmlns:p14="http://schemas.microsoft.com/office/powerpoint/2010/main" val="3468459119"/>
-      </p:ext>
-    </p:extLst>
-  </p:cSld>
-  <p:clrMapOvr>
-    <a:masterClrMapping/>
-  </p:clrMapOvr>
-  <p:timing>
-    <p:tnLst>
-      <p:par>
-        <p:cTn id="1" dur="indefinite" restart="never" nodeType="tmRoot">
-          <p:childTnLst>
-            <p:seq concurrent="1" nextAc="seek">
-              <p:cTn id="2" dur="indefinite" nodeType="mainSeq">
-                <p:childTnLst>
-                  <p:par>
-                    <p:cTn id="3" fill="hold">
-                      <p:stCondLst>
-                        <p:cond delay="indefinite"/>
-                      </p:stCondLst>
-                      <p:childTnLst>
-                        <p:par>
-                          <p:cTn id="4" fill="hold">
-                            <p:stCondLst>
-                              <p:cond delay="0"/>
-                            </p:stCondLst>
-                            <p:childTnLst>
-                              <p:par>
-                                <p:cTn id="5" presetID="2" presetClass="entr" presetSubtype="1" fill="hold" nodeType="clickEffect">
-                                  <p:stCondLst>
-                                    <p:cond delay="0"/>
-                                  </p:stCondLst>
-                                  <p:childTnLst>
-                                    <p:set>
-                                      <p:cBhvr>
-                                        <p:cTn id="6" dur="1" fill="hold">
-                                          <p:stCondLst>
-                                            <p:cond delay="0"/>
-                                          </p:stCondLst>
-                                        </p:cTn>
-                                        <p:tgtEl>
-                                          <p:spTgt spid="32"/>
-                                        </p:tgtEl>
-                                        <p:attrNameLst>
-                                          <p:attrName>style.visibility</p:attrName>
-                                        </p:attrNameLst>
-                                      </p:cBhvr>
-                                      <p:to>
-                                        <p:strVal val="visible"/>
-                                      </p:to>
-                                    </p:set>
-                                    <p:anim calcmode="lin" valueType="num">
-                                      <p:cBhvr additive="base">
-                                        <p:cTn id="7" dur="1000"/>
-                                        <p:tgtEl>
-                                          <p:spTgt spid="32"/>
-                                        </p:tgtEl>
-                                        <p:attrNameLst>
-                                          <p:attrName>ppt_y</p:attrName>
-                                        </p:attrNameLst>
-                                      </p:cBhvr>
-                                      <p:tavLst>
-                                        <p:tav tm="0">
-                                          <p:val>
-                                            <p:strVal val="#ppt_y-1"/>
-                                          </p:val>
-                                        </p:tav>
-                                        <p:tav tm="100000">
-                                          <p:val>
-                                            <p:strVal val="#ppt_y"/>
-                                          </p:val>
-                                        </p:tav>
-                                      </p:tavLst>
-                                    </p:anim>
-                                  </p:childTnLst>
-                                </p:cTn>
-                              </p:par>
-                            </p:childTnLst>
-                          </p:cTn>
-                        </p:par>
-                      </p:childTnLst>
-                    </p:cTn>
-                  </p:par>
-                  <p:par>
-                    <p:cTn id="8" fill="hold">
-                      <p:stCondLst>
-                        <p:cond delay="indefinite"/>
-                      </p:stCondLst>
-                      <p:childTnLst>
-                        <p:par>
-                          <p:cTn id="9" fill="hold">
-                            <p:stCondLst>
-                              <p:cond delay="0"/>
-                            </p:stCondLst>
-                            <p:childTnLst>
-                              <p:par>
-                                <p:cTn id="10" presetID="10" presetClass="entr" presetSubtype="0" fill="hold" nodeType="clickEffect">
-                                  <p:stCondLst>
-                                    <p:cond delay="0"/>
-                                  </p:stCondLst>
-                                  <p:childTnLst>
-                                    <p:set>
-                                      <p:cBhvr>
-                                        <p:cTn id="11" dur="1" fill="hold">
-                                          <p:stCondLst>
-                                            <p:cond delay="0"/>
-                                          </p:stCondLst>
-                                        </p:cTn>
-                                        <p:tgtEl>
-                                          <p:spTgt spid="34"/>
-                                        </p:tgtEl>
-                                        <p:attrNameLst>
-                                          <p:attrName>style.visibility</p:attrName>
-                                        </p:attrNameLst>
-                                      </p:cBhvr>
-                                      <p:to>
-                                        <p:strVal val="visible"/>
-                                      </p:to>
-                                    </p:set>
-                                    <p:animEffect transition="in" filter="fade">
-                                      <p:cBhvr>
-                                        <p:cTn id="12" dur="1000"/>
-                                        <p:tgtEl>
-                                          <p:spTgt spid="34"/>
-                                        </p:tgtEl>
-                                      </p:cBhvr>
-                                    </p:animEffect>
-                                  </p:childTnLst>
-                                </p:cTn>
-                              </p:par>
-                            </p:childTnLst>
-                          </p:cTn>
-                        </p:par>
-                      </p:childTnLst>
-                    </p:cTn>
-                  </p:par>
-                </p:childTnLst>
-              </p:cTn>
-              <p:prevCondLst>
-                <p:cond evt="onPrev" delay="0">
-                  <p:tgtEl>
-                    <p:sldTgt/>
-                  </p:tgtEl>
-                </p:cond>
-              </p:prevCondLst>
-              <p:nextCondLst>
-                <p:cond evt="onNext" delay="0">
-                  <p:tgtEl>
-                    <p:sldTgt/>
-                  </p:tgtEl>
-                </p:cond>
-              </p:nextCondLst>
-            </p:seq>
-          </p:childTnLst>
-        </p:cTn>
-      </p:par>
-    </p:tnLst>
-  </p:timing>
-</p:sld>
-</file>
-
-<file path=ppt/slides/slide32.xml><?xml version="1.0" encoding="utf-8"?>
-<p:sld xmlns:a="http://schemas.openxmlformats.org/drawingml/2006/main" xmlns:r="http://schemas.openxmlformats.org/officeDocument/2006/relationships" xmlns:p="http://schemas.openxmlformats.org/presentationml/2006/main">
-  <p:cSld>
-    <p:spTree>
-      <p:nvGrpSpPr>
-        <p:cNvPr id="1" name="Shape 453"/>
-        <p:cNvGrpSpPr/>
-        <p:nvPr/>
-      </p:nvGrpSpPr>
-      <p:grpSpPr>
-        <a:xfrm>
-          <a:off x="0" y="0"/>
-          <a:ext cx="0" cy="0"/>
-          <a:chOff x="0" y="0"/>
-          <a:chExt cx="0" cy="0"/>
-        </a:xfrm>
-      </p:grpSpPr>
-      <p:sp>
-        <p:nvSpPr>
-          <p:cNvPr id="32" name="Google Shape;527;p72">
-            <a:extLst>
-              <a:ext uri="{FF2B5EF4-FFF2-40B4-BE49-F238E27FC236}">
-                <a16:creationId xmlns:a16="http://schemas.microsoft.com/office/drawing/2014/main" id="{91EED6B3-C012-2DFB-F5F2-469183B9A7F6}"/>
-              </a:ext>
-            </a:extLst>
-          </p:cNvPr>
-          <p:cNvSpPr txBox="1">
-            <a:spLocks noGrp="1"/>
-          </p:cNvSpPr>
-          <p:nvPr>
-            <p:ph type="ctrTitle"/>
-          </p:nvPr>
-        </p:nvSpPr>
-        <p:spPr>
-          <a:xfrm flipH="1">
-            <a:off x="343006" y="313200"/>
-            <a:ext cx="5579809" cy="1132351"/>
-          </a:xfrm>
-          <a:prstGeom prst="rect">
-            <a:avLst/>
-          </a:prstGeom>
-        </p:spPr>
-        <p:txBody>
-          <a:bodyPr spcFirstLastPara="1" wrap="square" lIns="91425" tIns="91425" rIns="91425" bIns="91425" anchor="b" anchorCtr="0">
-            <a:noAutofit/>
-          </a:bodyPr>
-          <a:lstStyle/>
-          <a:p>
-            <a:pPr algn="l">
-              <a:buClr>
-                <a:schemeClr val="dk1"/>
-              </a:buClr>
-              <a:buSzPts val="1100"/>
-            </a:pPr>
-            <a:r>
-              <a:rPr lang="en-US" sz="3600" dirty="0"/>
-              <a:t>Training the algorithm</a:t>
-            </a:r>
-            <a:endParaRPr sz="3600" dirty="0"/>
-          </a:p>
-        </p:txBody>
-      </p:sp>
-      <p:cxnSp>
-        <p:nvCxnSpPr>
-          <p:cNvPr id="33" name="Google Shape;534;p72">
-            <a:extLst>
-              <a:ext uri="{FF2B5EF4-FFF2-40B4-BE49-F238E27FC236}">
-                <a16:creationId xmlns:a16="http://schemas.microsoft.com/office/drawing/2014/main" id="{56F19248-3862-5C58-3C76-F1AAA7BD7FA9}"/>
-              </a:ext>
-            </a:extLst>
-          </p:cNvPr>
-          <p:cNvCxnSpPr/>
-          <p:nvPr/>
-        </p:nvCxnSpPr>
-        <p:spPr>
-          <a:xfrm>
-            <a:off x="507661" y="1512573"/>
-            <a:ext cx="3427050" cy="8400"/>
-          </a:xfrm>
-          <a:prstGeom prst="straightConnector1">
-            <a:avLst/>
-          </a:prstGeom>
-          <a:noFill/>
-          <a:ln w="19050" cap="flat" cmpd="sng">
-            <a:solidFill>
-              <a:schemeClr val="lt1"/>
-            </a:solidFill>
-            <a:prstDash val="solid"/>
-            <a:round/>
-            <a:headEnd type="none" w="med" len="med"/>
-            <a:tailEnd type="none" w="med" len="med"/>
-          </a:ln>
-        </p:spPr>
-      </p:cxnSp>
-      <p:sp>
-        <p:nvSpPr>
-          <p:cNvPr id="34" name="Google Shape;528;p72">
-            <a:extLst>
-              <a:ext uri="{FF2B5EF4-FFF2-40B4-BE49-F238E27FC236}">
-                <a16:creationId xmlns:a16="http://schemas.microsoft.com/office/drawing/2014/main" id="{E8B212C1-14A8-D3AC-D72E-E7AB544A1412}"/>
-              </a:ext>
-            </a:extLst>
-          </p:cNvPr>
-          <p:cNvSpPr txBox="1">
-            <a:spLocks noGrp="1"/>
-          </p:cNvSpPr>
-          <p:nvPr>
-            <p:ph type="subTitle" idx="1"/>
-          </p:nvPr>
-        </p:nvSpPr>
-        <p:spPr>
-          <a:xfrm>
-            <a:off x="262202" y="1684647"/>
-            <a:ext cx="3917968" cy="2593203"/>
-          </a:xfrm>
-          <a:prstGeom prst="rect">
-            <a:avLst/>
-          </a:prstGeom>
-        </p:spPr>
-        <p:txBody>
-          <a:bodyPr spcFirstLastPara="1" wrap="square" lIns="91425" tIns="91425" rIns="91425" bIns="91425" anchor="t" anchorCtr="0">
-            <a:noAutofit/>
-          </a:bodyPr>
-          <a:lstStyle/>
-          <a:p>
-            <a:pPr marL="0" lvl="0" indent="0" algn="l">
-              <a:buClr>
-                <a:schemeClr val="dk1"/>
-              </a:buClr>
-              <a:buSzPts val="1100"/>
-            </a:pPr>
-            <a:r>
-              <a:rPr lang="en-US" b="1" i="1" dirty="0"/>
-              <a:t>We ran the training code inside a for loop trying to find the best possible parameters for the model to prevent overfitting to increase the accuracy</a:t>
-            </a:r>
-          </a:p>
-          <a:p>
-            <a:pPr marL="0" lvl="0" indent="0" algn="l">
-              <a:buClr>
-                <a:schemeClr val="dk1"/>
-              </a:buClr>
-              <a:buSzPts val="1100"/>
-            </a:pPr>
-            <a:endParaRPr lang="en-US" b="1" i="1" dirty="0"/>
-          </a:p>
-          <a:p>
-            <a:pPr marL="0" lvl="0" indent="0" algn="l">
-              <a:buClr>
-                <a:schemeClr val="dk1"/>
-              </a:buClr>
-              <a:buSzPts val="1100"/>
-            </a:pPr>
-            <a:r>
-              <a:rPr lang="en-US" b="1" i="1" dirty="0"/>
-              <a:t>We trained the model multiple times to discover the best minimum samples that should be on the ending leaf</a:t>
-            </a:r>
-          </a:p>
-          <a:p>
-            <a:pPr marL="0" lvl="0" indent="0" algn="l">
-              <a:buClr>
-                <a:schemeClr val="dk1"/>
-              </a:buClr>
-              <a:buSzPts val="1100"/>
-            </a:pPr>
-            <a:endParaRPr lang="en-US" b="1" i="1" dirty="0"/>
-          </a:p>
-          <a:p>
-            <a:pPr marL="0" lvl="0" indent="0" algn="l">
-              <a:buClr>
-                <a:schemeClr val="dk1"/>
-              </a:buClr>
-              <a:buSzPts val="1100"/>
-            </a:pPr>
-            <a:r>
-              <a:rPr lang="en-US" b="1" i="1" dirty="0"/>
-              <a:t>A split point at any depth will only be considered if it leaves at least </a:t>
-            </a:r>
-            <a:r>
-              <a:rPr lang="en-US" b="1" i="1" dirty="0" err="1"/>
-              <a:t>min_samples_leaf</a:t>
-            </a:r>
-            <a:r>
-              <a:rPr lang="en-US" b="1" i="1" dirty="0"/>
-              <a:t> training samples in each of the left and right branches.</a:t>
-            </a:r>
-          </a:p>
-          <a:p>
-            <a:pPr marL="0" lvl="0" indent="0">
-              <a:buClr>
-                <a:schemeClr val="dk1"/>
-              </a:buClr>
-              <a:buSzPts val="1100"/>
-            </a:pPr>
-            <a:endParaRPr lang="en-US" b="1" i="1" dirty="0"/>
-          </a:p>
-          <a:p>
-            <a:pPr marL="0" lvl="0" indent="0">
-              <a:buClr>
-                <a:schemeClr val="dk1"/>
-              </a:buClr>
-              <a:buSzPts val="1100"/>
-            </a:pPr>
-            <a:endParaRPr dirty="0"/>
-          </a:p>
-        </p:txBody>
-      </p:sp>
-      <p:pic>
-        <p:nvPicPr>
-          <p:cNvPr id="7" name="Picture 6">
-            <a:extLst>
-              <a:ext uri="{FF2B5EF4-FFF2-40B4-BE49-F238E27FC236}">
-                <a16:creationId xmlns:a16="http://schemas.microsoft.com/office/drawing/2014/main" id="{0F65966D-F149-01F0-6EDE-381AF205F98D}"/>
-              </a:ext>
-            </a:extLst>
-          </p:cNvPr>
-          <p:cNvPicPr>
-            <a:picLocks noChangeAspect="1"/>
-          </p:cNvPicPr>
-          <p:nvPr/>
-        </p:nvPicPr>
-        <p:blipFill>
-          <a:blip r:embed="rId3"/>
-          <a:stretch>
-            <a:fillRect/>
-          </a:stretch>
-        </p:blipFill>
-        <p:spPr>
-          <a:xfrm>
-            <a:off x="4803200" y="249010"/>
-            <a:ext cx="3997794" cy="4354740"/>
-          </a:xfrm>
-          <a:prstGeom prst="rect">
-            <a:avLst/>
-          </a:prstGeom>
-        </p:spPr>
-      </p:pic>
-    </p:spTree>
-    <p:extLst>
-      <p:ext uri="{BB962C8B-B14F-4D97-AF65-F5344CB8AC3E}">
-        <p14:creationId xmlns:p14="http://schemas.microsoft.com/office/powerpoint/2010/main" val="2238802154"/>
       </p:ext>
     </p:extLst>
   </p:cSld>
@@ -22787,6 +22868,406 @@
             </a:pPr>
             <a:r>
               <a:rPr lang="en-US" b="1" i="1" dirty="0"/>
+              <a:t>We ran the training code inside a for loop trying to find the best possible parameters for the model to prevent overfitting to increase the accuracy</a:t>
+            </a:r>
+          </a:p>
+          <a:p>
+            <a:pPr marL="0" lvl="0" indent="0" algn="l">
+              <a:buClr>
+                <a:schemeClr val="dk1"/>
+              </a:buClr>
+              <a:buSzPts val="1100"/>
+            </a:pPr>
+            <a:endParaRPr lang="en-US" b="1" i="1" dirty="0"/>
+          </a:p>
+          <a:p>
+            <a:pPr marL="0" lvl="0" indent="0" algn="l">
+              <a:buClr>
+                <a:schemeClr val="dk1"/>
+              </a:buClr>
+              <a:buSzPts val="1100"/>
+            </a:pPr>
+            <a:r>
+              <a:rPr lang="en-US" b="1" i="1" dirty="0"/>
+              <a:t>We trained the model multiple times to discover the best minimum samples that should be on the ending leaf</a:t>
+            </a:r>
+          </a:p>
+          <a:p>
+            <a:pPr marL="0" lvl="0" indent="0" algn="l">
+              <a:buClr>
+                <a:schemeClr val="dk1"/>
+              </a:buClr>
+              <a:buSzPts val="1100"/>
+            </a:pPr>
+            <a:endParaRPr lang="en-US" b="1" i="1" dirty="0"/>
+          </a:p>
+          <a:p>
+            <a:pPr marL="0" lvl="0" indent="0" algn="l">
+              <a:buClr>
+                <a:schemeClr val="dk1"/>
+              </a:buClr>
+              <a:buSzPts val="1100"/>
+            </a:pPr>
+            <a:r>
+              <a:rPr lang="en-US" b="1" i="1" dirty="0"/>
+              <a:t>A split point at any depth will only be considered if it leaves at least </a:t>
+            </a:r>
+            <a:r>
+              <a:rPr lang="en-US" b="1" i="1" dirty="0" err="1"/>
+              <a:t>min_samples_leaf</a:t>
+            </a:r>
+            <a:r>
+              <a:rPr lang="en-US" b="1" i="1" dirty="0"/>
+              <a:t> training samples in each of the left and right branches.</a:t>
+            </a:r>
+          </a:p>
+          <a:p>
+            <a:pPr marL="0" lvl="0" indent="0">
+              <a:buClr>
+                <a:schemeClr val="dk1"/>
+              </a:buClr>
+              <a:buSzPts val="1100"/>
+            </a:pPr>
+            <a:endParaRPr lang="en-US" b="1" i="1" dirty="0"/>
+          </a:p>
+          <a:p>
+            <a:pPr marL="0" lvl="0" indent="0">
+              <a:buClr>
+                <a:schemeClr val="dk1"/>
+              </a:buClr>
+              <a:buSzPts val="1100"/>
+            </a:pPr>
+            <a:endParaRPr dirty="0"/>
+          </a:p>
+        </p:txBody>
+      </p:sp>
+      <p:pic>
+        <p:nvPicPr>
+          <p:cNvPr id="7" name="Picture 6">
+            <a:extLst>
+              <a:ext uri="{FF2B5EF4-FFF2-40B4-BE49-F238E27FC236}">
+                <a16:creationId xmlns:a16="http://schemas.microsoft.com/office/drawing/2014/main" id="{0F65966D-F149-01F0-6EDE-381AF205F98D}"/>
+              </a:ext>
+            </a:extLst>
+          </p:cNvPr>
+          <p:cNvPicPr>
+            <a:picLocks noChangeAspect="1"/>
+          </p:cNvPicPr>
+          <p:nvPr/>
+        </p:nvPicPr>
+        <p:blipFill>
+          <a:blip r:embed="rId3"/>
+          <a:stretch>
+            <a:fillRect/>
+          </a:stretch>
+        </p:blipFill>
+        <p:spPr>
+          <a:xfrm>
+            <a:off x="4803200" y="249010"/>
+            <a:ext cx="3997794" cy="4354740"/>
+          </a:xfrm>
+          <a:prstGeom prst="rect">
+            <a:avLst/>
+          </a:prstGeom>
+        </p:spPr>
+      </p:pic>
+    </p:spTree>
+    <p:extLst>
+      <p:ext uri="{BB962C8B-B14F-4D97-AF65-F5344CB8AC3E}">
+        <p14:creationId xmlns:p14="http://schemas.microsoft.com/office/powerpoint/2010/main" val="2238802154"/>
+      </p:ext>
+    </p:extLst>
+  </p:cSld>
+  <p:clrMapOvr>
+    <a:masterClrMapping/>
+  </p:clrMapOvr>
+  <p:timing>
+    <p:tnLst>
+      <p:par>
+        <p:cTn id="1" dur="indefinite" restart="never" nodeType="tmRoot">
+          <p:childTnLst>
+            <p:seq concurrent="1" nextAc="seek">
+              <p:cTn id="2" dur="indefinite" nodeType="mainSeq">
+                <p:childTnLst>
+                  <p:par>
+                    <p:cTn id="3" fill="hold">
+                      <p:stCondLst>
+                        <p:cond delay="indefinite"/>
+                      </p:stCondLst>
+                      <p:childTnLst>
+                        <p:par>
+                          <p:cTn id="4" fill="hold">
+                            <p:stCondLst>
+                              <p:cond delay="0"/>
+                            </p:stCondLst>
+                            <p:childTnLst>
+                              <p:par>
+                                <p:cTn id="5" presetID="2" presetClass="entr" presetSubtype="1" fill="hold" nodeType="clickEffect">
+                                  <p:stCondLst>
+                                    <p:cond delay="0"/>
+                                  </p:stCondLst>
+                                  <p:childTnLst>
+                                    <p:set>
+                                      <p:cBhvr>
+                                        <p:cTn id="6" dur="1" fill="hold">
+                                          <p:stCondLst>
+                                            <p:cond delay="0"/>
+                                          </p:stCondLst>
+                                        </p:cTn>
+                                        <p:tgtEl>
+                                          <p:spTgt spid="32"/>
+                                        </p:tgtEl>
+                                        <p:attrNameLst>
+                                          <p:attrName>style.visibility</p:attrName>
+                                        </p:attrNameLst>
+                                      </p:cBhvr>
+                                      <p:to>
+                                        <p:strVal val="visible"/>
+                                      </p:to>
+                                    </p:set>
+                                    <p:anim calcmode="lin" valueType="num">
+                                      <p:cBhvr additive="base">
+                                        <p:cTn id="7" dur="1000"/>
+                                        <p:tgtEl>
+                                          <p:spTgt spid="32"/>
+                                        </p:tgtEl>
+                                        <p:attrNameLst>
+                                          <p:attrName>ppt_y</p:attrName>
+                                        </p:attrNameLst>
+                                      </p:cBhvr>
+                                      <p:tavLst>
+                                        <p:tav tm="0">
+                                          <p:val>
+                                            <p:strVal val="#ppt_y-1"/>
+                                          </p:val>
+                                        </p:tav>
+                                        <p:tav tm="100000">
+                                          <p:val>
+                                            <p:strVal val="#ppt_y"/>
+                                          </p:val>
+                                        </p:tav>
+                                      </p:tavLst>
+                                    </p:anim>
+                                  </p:childTnLst>
+                                </p:cTn>
+                              </p:par>
+                            </p:childTnLst>
+                          </p:cTn>
+                        </p:par>
+                      </p:childTnLst>
+                    </p:cTn>
+                  </p:par>
+                  <p:par>
+                    <p:cTn id="8" fill="hold">
+                      <p:stCondLst>
+                        <p:cond delay="indefinite"/>
+                      </p:stCondLst>
+                      <p:childTnLst>
+                        <p:par>
+                          <p:cTn id="9" fill="hold">
+                            <p:stCondLst>
+                              <p:cond delay="0"/>
+                            </p:stCondLst>
+                            <p:childTnLst>
+                              <p:par>
+                                <p:cTn id="10" presetID="10" presetClass="entr" presetSubtype="0" fill="hold" nodeType="clickEffect">
+                                  <p:stCondLst>
+                                    <p:cond delay="0"/>
+                                  </p:stCondLst>
+                                  <p:childTnLst>
+                                    <p:set>
+                                      <p:cBhvr>
+                                        <p:cTn id="11" dur="1" fill="hold">
+                                          <p:stCondLst>
+                                            <p:cond delay="0"/>
+                                          </p:stCondLst>
+                                        </p:cTn>
+                                        <p:tgtEl>
+                                          <p:spTgt spid="34"/>
+                                        </p:tgtEl>
+                                        <p:attrNameLst>
+                                          <p:attrName>style.visibility</p:attrName>
+                                        </p:attrNameLst>
+                                      </p:cBhvr>
+                                      <p:to>
+                                        <p:strVal val="visible"/>
+                                      </p:to>
+                                    </p:set>
+                                    <p:animEffect transition="in" filter="fade">
+                                      <p:cBhvr>
+                                        <p:cTn id="12" dur="1000"/>
+                                        <p:tgtEl>
+                                          <p:spTgt spid="34"/>
+                                        </p:tgtEl>
+                                      </p:cBhvr>
+                                    </p:animEffect>
+                                  </p:childTnLst>
+                                </p:cTn>
+                              </p:par>
+                            </p:childTnLst>
+                          </p:cTn>
+                        </p:par>
+                      </p:childTnLst>
+                    </p:cTn>
+                  </p:par>
+                </p:childTnLst>
+              </p:cTn>
+              <p:prevCondLst>
+                <p:cond evt="onPrev" delay="0">
+                  <p:tgtEl>
+                    <p:sldTgt/>
+                  </p:tgtEl>
+                </p:cond>
+              </p:prevCondLst>
+              <p:nextCondLst>
+                <p:cond evt="onNext" delay="0">
+                  <p:tgtEl>
+                    <p:sldTgt/>
+                  </p:tgtEl>
+                </p:cond>
+              </p:nextCondLst>
+            </p:seq>
+          </p:childTnLst>
+        </p:cTn>
+      </p:par>
+    </p:tnLst>
+  </p:timing>
+</p:sld>
+</file>
+
+<file path=ppt/slides/slide34.xml><?xml version="1.0" encoding="utf-8"?>
+<p:sld xmlns:a="http://schemas.openxmlformats.org/drawingml/2006/main" xmlns:r="http://schemas.openxmlformats.org/officeDocument/2006/relationships" xmlns:p="http://schemas.openxmlformats.org/presentationml/2006/main">
+  <p:cSld>
+    <p:spTree>
+      <p:nvGrpSpPr>
+        <p:cNvPr id="1" name="Shape 453"/>
+        <p:cNvGrpSpPr/>
+        <p:nvPr/>
+      </p:nvGrpSpPr>
+      <p:grpSpPr>
+        <a:xfrm>
+          <a:off x="0" y="0"/>
+          <a:ext cx="0" cy="0"/>
+          <a:chOff x="0" y="0"/>
+          <a:chExt cx="0" cy="0"/>
+        </a:xfrm>
+      </p:grpSpPr>
+      <p:sp>
+        <p:nvSpPr>
+          <p:cNvPr id="32" name="Google Shape;527;p72">
+            <a:extLst>
+              <a:ext uri="{FF2B5EF4-FFF2-40B4-BE49-F238E27FC236}">
+                <a16:creationId xmlns:a16="http://schemas.microsoft.com/office/drawing/2014/main" id="{91EED6B3-C012-2DFB-F5F2-469183B9A7F6}"/>
+              </a:ext>
+            </a:extLst>
+          </p:cNvPr>
+          <p:cNvSpPr txBox="1">
+            <a:spLocks noGrp="1"/>
+          </p:cNvSpPr>
+          <p:nvPr>
+            <p:ph type="ctrTitle"/>
+          </p:nvPr>
+        </p:nvSpPr>
+        <p:spPr>
+          <a:xfrm flipH="1">
+            <a:off x="343006" y="313200"/>
+            <a:ext cx="5579809" cy="1132351"/>
+          </a:xfrm>
+          <a:prstGeom prst="rect">
+            <a:avLst/>
+          </a:prstGeom>
+        </p:spPr>
+        <p:txBody>
+          <a:bodyPr spcFirstLastPara="1" wrap="square" lIns="91425" tIns="91425" rIns="91425" bIns="91425" anchor="b" anchorCtr="0">
+            <a:noAutofit/>
+          </a:bodyPr>
+          <a:lstStyle/>
+          <a:p>
+            <a:pPr algn="l">
+              <a:buClr>
+                <a:schemeClr val="dk1"/>
+              </a:buClr>
+              <a:buSzPts val="1100"/>
+            </a:pPr>
+            <a:r>
+              <a:rPr lang="en-US" sz="3600" dirty="0"/>
+              <a:t>Training the algorithm</a:t>
+            </a:r>
+            <a:endParaRPr sz="3600" dirty="0"/>
+          </a:p>
+        </p:txBody>
+      </p:sp>
+      <p:cxnSp>
+        <p:nvCxnSpPr>
+          <p:cNvPr id="33" name="Google Shape;534;p72">
+            <a:extLst>
+              <a:ext uri="{FF2B5EF4-FFF2-40B4-BE49-F238E27FC236}">
+                <a16:creationId xmlns:a16="http://schemas.microsoft.com/office/drawing/2014/main" id="{56F19248-3862-5C58-3C76-F1AAA7BD7FA9}"/>
+              </a:ext>
+            </a:extLst>
+          </p:cNvPr>
+          <p:cNvCxnSpPr/>
+          <p:nvPr/>
+        </p:nvCxnSpPr>
+        <p:spPr>
+          <a:xfrm>
+            <a:off x="507661" y="1512573"/>
+            <a:ext cx="3427050" cy="8400"/>
+          </a:xfrm>
+          <a:prstGeom prst="straightConnector1">
+            <a:avLst/>
+          </a:prstGeom>
+          <a:noFill/>
+          <a:ln w="19050" cap="flat" cmpd="sng">
+            <a:solidFill>
+              <a:schemeClr val="lt1"/>
+            </a:solidFill>
+            <a:prstDash val="solid"/>
+            <a:round/>
+            <a:headEnd type="none" w="med" len="med"/>
+            <a:tailEnd type="none" w="med" len="med"/>
+          </a:ln>
+        </p:spPr>
+      </p:cxnSp>
+      <p:sp>
+        <p:nvSpPr>
+          <p:cNvPr id="34" name="Google Shape;528;p72">
+            <a:extLst>
+              <a:ext uri="{FF2B5EF4-FFF2-40B4-BE49-F238E27FC236}">
+                <a16:creationId xmlns:a16="http://schemas.microsoft.com/office/drawing/2014/main" id="{E8B212C1-14A8-D3AC-D72E-E7AB544A1412}"/>
+              </a:ext>
+            </a:extLst>
+          </p:cNvPr>
+          <p:cNvSpPr txBox="1">
+            <a:spLocks noGrp="1"/>
+          </p:cNvSpPr>
+          <p:nvPr>
+            <p:ph type="subTitle" idx="1"/>
+          </p:nvPr>
+        </p:nvSpPr>
+        <p:spPr>
+          <a:xfrm>
+            <a:off x="262202" y="1684647"/>
+            <a:ext cx="3917968" cy="2593203"/>
+          </a:xfrm>
+          <a:prstGeom prst="rect">
+            <a:avLst/>
+          </a:prstGeom>
+        </p:spPr>
+        <p:txBody>
+          <a:bodyPr spcFirstLastPara="1" wrap="square" lIns="91425" tIns="91425" rIns="91425" bIns="91425" anchor="t" anchorCtr="0">
+            <a:noAutofit/>
+          </a:bodyPr>
+          <a:lstStyle/>
+          <a:p>
+            <a:pPr marL="0" lvl="0" indent="0" algn="l">
+              <a:buClr>
+                <a:schemeClr val="dk1"/>
+              </a:buClr>
+              <a:buSzPts val="1100"/>
+            </a:pPr>
+            <a:r>
+              <a:rPr lang="en-US" b="1" i="1" dirty="0"/>
               <a:t>For the last time, we train the model but with the best minimum leaf samples</a:t>
             </a:r>
           </a:p>
@@ -23016,7 +23497,7 @@
 </p:sld>
 </file>
 
-<file path=ppt/slides/slide34.xml><?xml version="1.0" encoding="utf-8"?>
+<file path=ppt/slides/slide35.xml><?xml version="1.0" encoding="utf-8"?>
 <p:sld xmlns:a="http://schemas.openxmlformats.org/drawingml/2006/main" xmlns:r="http://schemas.openxmlformats.org/officeDocument/2006/relationships" xmlns:p="http://schemas.openxmlformats.org/presentationml/2006/main">
   <p:cSld>
     <p:spTree>

--- a/team 25.pptx
+++ b/team 25.pptx
@@ -23280,7 +23280,7 @@
             </a:pPr>
             <a:r>
               <a:rPr lang="en-US" b="1" i="1" dirty="0"/>
-              <a:t>The accuracy of the model is 79%</a:t>
+              <a:t>The accuracy of the model is 83%</a:t>
             </a:r>
           </a:p>
           <a:p>
@@ -23305,10 +23305,10 @@
       </p:sp>
       <p:pic>
         <p:nvPicPr>
-          <p:cNvPr id="3" name="Picture 2">
+          <p:cNvPr id="4" name="Picture 3">
             <a:extLst>
               <a:ext uri="{FF2B5EF4-FFF2-40B4-BE49-F238E27FC236}">
-                <a16:creationId xmlns:a16="http://schemas.microsoft.com/office/drawing/2014/main" id="{9CE73E2B-571F-A8D9-60D5-57D9C8F1733D}"/>
+                <a16:creationId xmlns:a16="http://schemas.microsoft.com/office/drawing/2014/main" id="{BEF07B73-1E68-47E7-787E-660776D5FB7E}"/>
               </a:ext>
             </a:extLst>
           </p:cNvPr>
@@ -23325,8 +23325,8 @@
         </p:blipFill>
         <p:spPr>
           <a:xfrm>
-            <a:off x="537350" y="2655288"/>
-            <a:ext cx="8069299" cy="2085324"/>
+            <a:off x="586409" y="2858943"/>
+            <a:ext cx="7742583" cy="2088895"/>
           </a:xfrm>
           <a:prstGeom prst="rect">
             <a:avLst/>
